--- a/QT31.pptx
+++ b/QT31.pptx
@@ -7,8 +7,7 @@
   <p:sldIdLst>
     <p:sldId id="256" r:id="rId2"/>
     <p:sldId id="257" r:id="rId3"/>
-    <p:sldId id="259" r:id="rId4"/>
-    <p:sldId id="262" r:id="rId5"/>
+    <p:sldId id="258" r:id="rId4"/>
   </p:sldIdLst>
   <p:sldSz cx="12192000" cy="6858000"/>
   <p:notesSz cx="6858000" cy="9144000"/>
@@ -3340,12 +3339,20 @@
             <p:ph type="ctrTitle"/>
           </p:nvPr>
         </p:nvSpPr>
-        <p:spPr/>
-        <p:txBody>
-          <a:bodyPr/>
-          <a:lstStyle/>
-          <a:p>
-            <a:endParaRPr lang="en-US"/>
+        <p:spPr>
+          <a:xfrm>
+            <a:off x="1114425" y="703263"/>
+            <a:ext cx="9144000" cy="2387600"/>
+          </a:xfrm>
+        </p:spPr>
+        <p:txBody>
+          <a:bodyPr/>
+          <a:lstStyle/>
+          <a:p>
+            <a:r>
+              <a:rPr lang="en-US" dirty="0"/>
+              <a:t>Mask R-CNN</a:t>
+            </a:r>
           </a:p>
         </p:txBody>
       </p:sp>
@@ -3496,8 +3503,8 @@
         </p:blipFill>
         <p:spPr>
           <a:xfrm>
-            <a:off x="2566987" y="2855913"/>
-            <a:ext cx="7058025" cy="3686175"/>
+            <a:off x="6466443" y="2035969"/>
+            <a:ext cx="5420757" cy="2831084"/>
           </a:xfrm>
           <a:prstGeom prst="rect">
             <a:avLst/>
@@ -3522,22 +3529,57 @@
         </p:nvSpPr>
         <p:spPr>
           <a:xfrm>
-            <a:off x="838200" y="1530350"/>
-            <a:ext cx="10515600" cy="4351338"/>
+            <a:off x="581025" y="1530350"/>
+            <a:ext cx="5514975" cy="4351338"/>
           </a:xfrm>
         </p:spPr>
         <p:txBody>
           <a:bodyPr>
-            <a:normAutofit/>
+            <a:normAutofit fontScale="77500" lnSpcReduction="20000"/>
           </a:bodyPr>
           <a:lstStyle/>
           <a:p>
             <a:r>
-              <a:rPr lang="en-US" sz="1800" dirty="0"/>
-              <a:t>We present a conceptually simple, flexible, and general framework for object instance segmentation. Our approach efficiently detects objects in an image while simultaneously generating a high-quality segmentation mask for each instance</a:t>
-            </a:r>
-          </a:p>
-          <a:p>
+              <a:rPr lang="en-US" dirty="0"/>
+              <a:t>Instance segmentation</a:t>
+            </a:r>
+          </a:p>
+          <a:p>
+            <a:endParaRPr lang="en-US" sz="1800" dirty="0"/>
+          </a:p>
+          <a:p>
+            <a:r>
+              <a:rPr lang="en-US" b="1" dirty="0"/>
+              <a:t>Mask RCNN</a:t>
+            </a:r>
+            <a:r>
+              <a:rPr lang="en-US" dirty="0"/>
+              <a:t> is a conceptually </a:t>
+            </a:r>
+            <a:r>
+              <a:rPr lang="en-US" b="1" dirty="0"/>
+              <a:t>simple, flexible, and general framework</a:t>
+            </a:r>
+            <a:r>
+              <a:rPr lang="en-US" dirty="0"/>
+              <a:t> for </a:t>
+            </a:r>
+            <a:r>
+              <a:rPr lang="en-US" b="1" dirty="0"/>
+              <a:t>object instance segmentation</a:t>
+            </a:r>
+            <a:r>
+              <a:rPr lang="en-US" dirty="0"/>
+              <a:t>. The approach efficiently detects objects in an image while simultaneously generating a high-quality segmentation mask for each instance. This method extends </a:t>
+            </a:r>
+            <a:r>
+              <a:rPr lang="en-US" b="1" dirty="0"/>
+              <a:t>Faster R-CNN</a:t>
+            </a:r>
+            <a:r>
+              <a:rPr lang="en-US" dirty="0"/>
+              <a:t> by adding a branch for predicting an object mask in parallel with the existing branch for bounding box recognition. Mask R-CNN is simple to train and adds only a small overhead to Faster R-CNN, running at 5 fps. </a:t>
+            </a:r>
             <a:endParaRPr lang="en-US" sz="1800" dirty="0"/>
           </a:p>
         </p:txBody>
@@ -3577,7 +3619,7 @@
           <p:cNvPr id="2" name="Title 1">
             <a:extLst>
               <a:ext uri="{FF2B5EF4-FFF2-40B4-BE49-F238E27FC236}">
-                <a16:creationId xmlns:a16="http://schemas.microsoft.com/office/drawing/2014/main" id="{B784EF15-A86F-49F8-9860-6B97DD863D4D}"/>
+                <a16:creationId xmlns:a16="http://schemas.microsoft.com/office/drawing/2014/main" id="{2B45390A-A3D2-47E2-A9CF-1A5A22B7C90E}"/>
               </a:ext>
             </a:extLst>
           </p:cNvPr>
@@ -3593,54 +3635,7 @@
           <a:bodyPr/>
           <a:lstStyle/>
           <a:p>
-            <a:r>
-              <a:rPr lang="en-US" dirty="0" err="1"/>
-              <a:t>Các</a:t>
-            </a:r>
-            <a:r>
-              <a:rPr lang="en-US" dirty="0"/>
-              <a:t> </a:t>
-            </a:r>
-            <a:r>
-              <a:rPr lang="en-US" dirty="0" err="1"/>
-              <a:t>câu</a:t>
-            </a:r>
-            <a:r>
-              <a:rPr lang="en-US" dirty="0"/>
-              <a:t> </a:t>
-            </a:r>
-            <a:r>
-              <a:rPr lang="en-US" dirty="0" err="1"/>
-              <a:t>hỏi</a:t>
-            </a:r>
-            <a:r>
-              <a:rPr lang="en-US" dirty="0"/>
-              <a:t> </a:t>
-            </a:r>
-            <a:r>
-              <a:rPr lang="en-US" dirty="0" err="1"/>
-              <a:t>đặt</a:t>
-            </a:r>
-            <a:r>
-              <a:rPr lang="en-US" dirty="0"/>
-              <a:t> ra </a:t>
-            </a:r>
-            <a:r>
-              <a:rPr lang="en-US" dirty="0" err="1"/>
-              <a:t>là</a:t>
-            </a:r>
-            <a:r>
-              <a:rPr lang="en-US" dirty="0"/>
-              <a:t> </a:t>
-            </a:r>
-            <a:r>
-              <a:rPr lang="en-US" dirty="0" err="1"/>
-              <a:t>gì</a:t>
-            </a:r>
-            <a:r>
-              <a:rPr lang="en-US" dirty="0"/>
-              <a:t>? </a:t>
-            </a:r>
+            <a:endParaRPr lang="en-US"/>
           </a:p>
         </p:txBody>
       </p:sp>
@@ -3649,7 +3644,7 @@
           <p:cNvPr id="3" name="Content Placeholder 2">
             <a:extLst>
               <a:ext uri="{FF2B5EF4-FFF2-40B4-BE49-F238E27FC236}">
-                <a16:creationId xmlns:a16="http://schemas.microsoft.com/office/drawing/2014/main" id="{C87C6244-22F8-4266-8C3B-FD8A731A0672}"/>
+                <a16:creationId xmlns:a16="http://schemas.microsoft.com/office/drawing/2014/main" id="{61993D9A-1BE0-4356-8AC7-74BD04413B3C}"/>
               </a:ext>
             </a:extLst>
           </p:cNvPr>
@@ -3660,146 +3655,19 @@
             <p:ph idx="1"/>
           </p:nvPr>
         </p:nvSpPr>
-        <p:spPr>
-          <a:xfrm>
-            <a:off x="838200" y="1825625"/>
-            <a:ext cx="11125200" cy="4351338"/>
-          </a:xfrm>
-        </p:spPr>
-        <p:txBody>
-          <a:bodyPr/>
-          <a:lstStyle/>
-          <a:p>
-            <a:r>
-              <a:rPr lang="en-US" dirty="0"/>
-              <a:t>How to classify each pixel into a fixed set of categories without differentiating object instances?</a:t>
-            </a:r>
-          </a:p>
-          <a:p>
-            <a:endParaRPr lang="en-US" dirty="0"/>
+        <p:spPr/>
+        <p:txBody>
+          <a:bodyPr/>
+          <a:lstStyle/>
+          <a:p>
+            <a:endParaRPr lang="en-US"/>
           </a:p>
         </p:txBody>
       </p:sp>
     </p:spTree>
     <p:extLst>
       <p:ext uri="{BB962C8B-B14F-4D97-AF65-F5344CB8AC3E}">
-        <p14:creationId xmlns:p14="http://schemas.microsoft.com/office/powerpoint/2010/main" val="2781369579"/>
-      </p:ext>
-    </p:extLst>
-  </p:cSld>
-  <p:clrMapOvr>
-    <a:masterClrMapping/>
-  </p:clrMapOvr>
-</p:sld>
-</file>
-
-<file path=ppt/slides/slide4.xml><?xml version="1.0" encoding="utf-8"?>
-<p:sld xmlns:a="http://schemas.openxmlformats.org/drawingml/2006/main" xmlns:r="http://schemas.openxmlformats.org/officeDocument/2006/relationships" xmlns:p="http://schemas.openxmlformats.org/presentationml/2006/main">
-  <p:cSld>
-    <p:spTree>
-      <p:nvGrpSpPr>
-        <p:cNvPr id="1" name=""/>
-        <p:cNvGrpSpPr/>
-        <p:nvPr/>
-      </p:nvGrpSpPr>
-      <p:grpSpPr>
-        <a:xfrm>
-          <a:off x="0" y="0"/>
-          <a:ext cx="0" cy="0"/>
-          <a:chOff x="0" y="0"/>
-          <a:chExt cx="0" cy="0"/>
-        </a:xfrm>
-      </p:grpSpPr>
-      <p:sp>
-        <p:nvSpPr>
-          <p:cNvPr id="2" name="Title 1">
-            <a:extLst>
-              <a:ext uri="{FF2B5EF4-FFF2-40B4-BE49-F238E27FC236}">
-                <a16:creationId xmlns:a16="http://schemas.microsoft.com/office/drawing/2014/main" id="{B784EF15-A86F-49F8-9860-6B97DD863D4D}"/>
-              </a:ext>
-            </a:extLst>
-          </p:cNvPr>
-          <p:cNvSpPr>
-            <a:spLocks noGrp="1"/>
-          </p:cNvSpPr>
-          <p:nvPr>
-            <p:ph type="title"/>
-          </p:nvPr>
-        </p:nvSpPr>
-        <p:spPr/>
-        <p:txBody>
-          <a:bodyPr/>
-          <a:lstStyle/>
-          <a:p>
-            <a:r>
-              <a:rPr lang="en-US" dirty="0"/>
-              <a:t>Ý t</a:t>
-            </a:r>
-            <a:r>
-              <a:rPr lang="vi-VN" dirty="0"/>
-              <a:t>ư</a:t>
-            </a:r>
-            <a:r>
-              <a:rPr lang="en-US" dirty="0" err="1"/>
-              <a:t>ởng</a:t>
-            </a:r>
-            <a:r>
-              <a:rPr lang="en-US" dirty="0"/>
-              <a:t> </a:t>
-            </a:r>
-            <a:r>
-              <a:rPr lang="en-US" dirty="0" err="1"/>
-              <a:t>giải</a:t>
-            </a:r>
-            <a:r>
-              <a:rPr lang="en-US" dirty="0"/>
-              <a:t> </a:t>
-            </a:r>
-            <a:r>
-              <a:rPr lang="en-US" dirty="0" err="1"/>
-              <a:t>quyết</a:t>
-            </a:r>
-            <a:endParaRPr lang="en-US" dirty="0"/>
-          </a:p>
-        </p:txBody>
-      </p:sp>
-      <p:sp>
-        <p:nvSpPr>
-          <p:cNvPr id="3" name="Content Placeholder 2">
-            <a:extLst>
-              <a:ext uri="{FF2B5EF4-FFF2-40B4-BE49-F238E27FC236}">
-                <a16:creationId xmlns:a16="http://schemas.microsoft.com/office/drawing/2014/main" id="{C87C6244-22F8-4266-8C3B-FD8A731A0672}"/>
-              </a:ext>
-            </a:extLst>
-          </p:cNvPr>
-          <p:cNvSpPr>
-            <a:spLocks noGrp="1"/>
-          </p:cNvSpPr>
-          <p:nvPr>
-            <p:ph idx="1"/>
-          </p:nvPr>
-        </p:nvSpPr>
-        <p:spPr/>
-        <p:txBody>
-          <a:bodyPr/>
-          <a:lstStyle/>
-          <a:p>
-            <a:r>
-              <a:rPr lang="en-US" dirty="0"/>
-              <a:t>In the second stage, in parallel to predicting the class and box offset, Mask R-CNN also outputs a binary mask for each </a:t>
-            </a:r>
-            <a:r>
-              <a:rPr lang="en-US" dirty="0" err="1"/>
-              <a:t>RoI</a:t>
-            </a:r>
-            <a:endParaRPr lang="en-US" dirty="0"/>
-          </a:p>
-        </p:txBody>
-      </p:sp>
-    </p:spTree>
-    <p:extLst>
-      <p:ext uri="{BB962C8B-B14F-4D97-AF65-F5344CB8AC3E}">
-        <p14:creationId xmlns:p14="http://schemas.microsoft.com/office/powerpoint/2010/main" val="1378479963"/>
+        <p14:creationId xmlns:p14="http://schemas.microsoft.com/office/powerpoint/2010/main" val="2434558778"/>
       </p:ext>
     </p:extLst>
   </p:cSld>

--- a/QT31.pptx
+++ b/QT31.pptx
@@ -106,6 +106,11 @@
       </a:defRPr>
     </a:lvl9pPr>
   </p:defaultTextStyle>
+  <p:extLst>
+    <p:ext uri="{EFAFB233-063F-42B5-8137-9DF3F51BA10A}">
+      <p15:sldGuideLst xmlns:p15="http://schemas.microsoft.com/office/powerpoint/2012/main"/>
+    </p:ext>
+  </p:extLst>
 </p:presentation>
 </file>
 
@@ -3535,7 +3540,7 @@
         </p:spPr>
         <p:txBody>
           <a:bodyPr>
-            <a:normAutofit fontScale="77500" lnSpcReduction="20000"/>
+            <a:normAutofit lnSpcReduction="10000"/>
           </a:bodyPr>
           <a:lstStyle/>
           <a:p>
@@ -3570,15 +3575,7 @@
             </a:r>
             <a:r>
               <a:rPr lang="en-US" dirty="0"/>
-              <a:t>. The approach efficiently detects objects in an image while simultaneously generating a high-quality segmentation mask for each instance. This method extends </a:t>
-            </a:r>
-            <a:r>
-              <a:rPr lang="en-US" b="1" dirty="0"/>
-              <a:t>Faster R-CNN</a:t>
-            </a:r>
-            <a:r>
-              <a:rPr lang="en-US" dirty="0"/>
-              <a:t> by adding a branch for predicting an object mask in parallel with the existing branch for bounding box recognition. Mask R-CNN is simple to train and adds only a small overhead to Faster R-CNN, running at 5 fps. </a:t>
+              <a:t>. The approach efficiently detects objects in an image while simultaneously generating a high-quality segmentation mask for each instance. </a:t>
             </a:r>
             <a:endParaRPr lang="en-US" sz="1800" dirty="0"/>
           </a:p>
@@ -3635,7 +3632,35 @@
           <a:bodyPr/>
           <a:lstStyle/>
           <a:p>
-            <a:endParaRPr lang="en-US"/>
+            <a:r>
+              <a:rPr lang="en-US" dirty="0"/>
+              <a:t>Ý t</a:t>
+            </a:r>
+            <a:r>
+              <a:rPr lang="vi-VN" dirty="0"/>
+              <a:t>ư</a:t>
+            </a:r>
+            <a:r>
+              <a:rPr lang="en-US" dirty="0" err="1"/>
+              <a:t>ởng</a:t>
+            </a:r>
+            <a:r>
+              <a:rPr lang="en-US" dirty="0"/>
+              <a:t> </a:t>
+            </a:r>
+            <a:r>
+              <a:rPr lang="en-US" dirty="0" err="1"/>
+              <a:t>giải</a:t>
+            </a:r>
+            <a:r>
+              <a:rPr lang="en-US" dirty="0"/>
+              <a:t> </a:t>
+            </a:r>
+            <a:r>
+              <a:rPr lang="en-US" dirty="0" err="1"/>
+              <a:t>quyết</a:t>
+            </a:r>
+            <a:endParaRPr lang="en-US" dirty="0"/>
           </a:p>
         </p:txBody>
       </p:sp>
@@ -3660,7 +3685,18 @@
           <a:bodyPr/>
           <a:lstStyle/>
           <a:p>
-            <a:endParaRPr lang="en-US"/>
+            <a:r>
+              <a:rPr lang="en-US" dirty="0"/>
+              <a:t>This method extends </a:t>
+            </a:r>
+            <a:r>
+              <a:rPr lang="en-US" b="1" dirty="0"/>
+              <a:t>Faster R-CNN</a:t>
+            </a:r>
+            <a:r>
+              <a:rPr lang="en-US" dirty="0"/>
+              <a:t> by adding a branch for predicting an object mask in parallel with the existing branch for bounding box recognition. Mask R-CNN is simple to train and adds only a small overhead to Faster R-CNN, running at 5 fps.</a:t>
+            </a:r>
           </a:p>
         </p:txBody>
       </p:sp>
